--- a/ZDscreen/DScreen.pptx
+++ b/ZDscreen/DScreen.pptx
@@ -237,7 +237,7 @@
             <a:fld id="{4A50B90E-CBF8-4A51-A377-070DE9BA12DF}" type="datetimeFigureOut">
               <a:rPr lang="en-US" smtClean="0"/>
               <a:pPr/>
-              <a:t>1/12/2023</a:t>
+              <a:t>2/15/2023</a:t>
             </a:fld>
             <a:endParaRPr lang="en-US"/>
           </a:p>
@@ -399,7 +399,7 @@
             <a:fld id="{D19836D4-10A2-4FF6-834A-796A553A8E64}" type="datetimeFigureOut">
               <a:rPr lang="en-US" smtClean="0"/>
               <a:pPr/>
-              <a:t>1/12/2023</a:t>
+              <a:t>2/15/2023</a:t>
             </a:fld>
             <a:endParaRPr lang="en-US"/>
           </a:p>
@@ -4488,7 +4488,39 @@
                   <a:schemeClr val="tx2"/>
                 </a:solidFill>
               </a:rPr>
-              <a:t> is 0.05, sometimes 0.1 or 0.01 is also used.</a:t>
+              <a:t> is </a:t>
+            </a:r>
+            <a:r>
+              <a:rPr lang="en-US" dirty="0" smtClean="0">
+                <a:solidFill>
+                  <a:schemeClr val="tx2"/>
+                </a:solidFill>
+              </a:rPr>
+              <a:t>0.01, </a:t>
+            </a:r>
+            <a:r>
+              <a:rPr lang="en-US" dirty="0" smtClean="0">
+                <a:solidFill>
+                  <a:schemeClr val="tx2"/>
+                </a:solidFill>
+              </a:rPr>
+              <a:t>sometimes 0.1 or </a:t>
+            </a:r>
+            <a:r>
+              <a:rPr lang="en-US" dirty="0" smtClean="0">
+                <a:solidFill>
+                  <a:schemeClr val="tx2"/>
+                </a:solidFill>
+              </a:rPr>
+              <a:t>0.05 </a:t>
+            </a:r>
+            <a:r>
+              <a:rPr lang="en-US" dirty="0" smtClean="0">
+                <a:solidFill>
+                  <a:schemeClr val="tx2"/>
+                </a:solidFill>
+              </a:rPr>
+              <a:t>is also used.</a:t>
             </a:r>
           </a:p>
           <a:p>
@@ -4698,7 +4730,7 @@
           <a:graphicData uri="http://schemas.openxmlformats.org/presentationml/2006/ole">
             <mc:AlternateContent xmlns:mc="http://schemas.openxmlformats.org/markup-compatibility/2006">
               <mc:Choice xmlns:v="urn:schemas-microsoft-com:vml" Requires="v">
-                <p:oleObj spid="_x0000_s22533" name="Equation" r:id="rId3" imgW="2997000" imgH="533160" progId="Equation.3">
+                <p:oleObj spid="_x0000_s22535" name="Equation" r:id="rId3" imgW="2997000" imgH="533160" progId="Equation.3">
                   <p:embed/>
                 </p:oleObj>
               </mc:Choice>
@@ -7586,7 +7618,7 @@
           <a:graphicData uri="http://schemas.openxmlformats.org/presentationml/2006/ole">
             <mc:AlternateContent xmlns:mc="http://schemas.openxmlformats.org/markup-compatibility/2006">
               <mc:Choice xmlns:v="urn:schemas-microsoft-com:vml" Requires="v">
-                <p:oleObj spid="_x0000_s29700" name="Equation" r:id="rId3" imgW="2184120" imgH="685800" progId="Equation.3">
+                <p:oleObj spid="_x0000_s29702" name="Equation" r:id="rId3" imgW="2184120" imgH="685800" progId="Equation.3">
                   <p:embed/>
                 </p:oleObj>
               </mc:Choice>
@@ -12501,15 +12533,7 @@
                   <a:schemeClr val="tx2"/>
                 </a:solidFill>
               </a:rPr>
-              <a:t> Annual series, usually mean value or sum for each </a:t>
-            </a:r>
-            <a:r>
-              <a:rPr lang="en-US" dirty="0" smtClean="0">
-                <a:solidFill>
-                  <a:schemeClr val="tx2"/>
-                </a:solidFill>
-              </a:rPr>
-              <a:t>year</a:t>
+              <a:t> Annual series, usually mean value or sum for each year</a:t>
             </a:r>
           </a:p>
           <a:p>
@@ -13458,7 +13482,7 @@
           <a:graphicData uri="http://schemas.openxmlformats.org/presentationml/2006/ole">
             <mc:AlternateContent xmlns:mc="http://schemas.openxmlformats.org/markup-compatibility/2006">
               <mc:Choice xmlns:v="urn:schemas-microsoft-com:vml" Requires="v">
-                <p:oleObj spid="_x0000_s1030" name="Equation" r:id="rId3" imgW="876240" imgH="520560" progId="Equation.3">
+                <p:oleObj spid="_x0000_s1034" name="Equation" r:id="rId3" imgW="876240" imgH="520560" progId="Equation.3">
                   <p:embed/>
                 </p:oleObj>
               </mc:Choice>
@@ -13528,7 +13552,7 @@
           <a:graphicData uri="http://schemas.openxmlformats.org/presentationml/2006/ole">
             <mc:AlternateContent xmlns:mc="http://schemas.openxmlformats.org/markup-compatibility/2006">
               <mc:Choice xmlns:v="urn:schemas-microsoft-com:vml" Requires="v">
-                <p:oleObj spid="_x0000_s1031" name="Equation" r:id="rId5" imgW="1104840" imgH="545760" progId="Equation.3">
+                <p:oleObj spid="_x0000_s1035" name="Equation" r:id="rId5" imgW="1104840" imgH="545760" progId="Equation.3">
                   <p:embed/>
                 </p:oleObj>
               </mc:Choice>
